--- a/ProgramacaoOrientadaObjetoAula.pptx
+++ b/ProgramacaoOrientadaObjetoAula.pptx
@@ -330,7 +330,7 @@
             <a:fld id="{B61BEF0D-F0BB-DE4B-95CE-6DB70DBA9567}" type="datetimeFigureOut">
               <a:rPr lang="en-US" dirty="0"/>
               <a:pPr/>
-              <a:t>9/14/2021</a:t>
+              <a:t>9/16/2021</a:t>
             </a:fld>
             <a:endParaRPr lang="en-US" dirty="0"/>
           </a:p>
@@ -665,7 +665,7 @@
             <a:fld id="{B61BEF0D-F0BB-DE4B-95CE-6DB70DBA9567}" type="datetimeFigureOut">
               <a:rPr lang="en-US" dirty="0"/>
               <a:pPr/>
-              <a:t>9/14/2021</a:t>
+              <a:t>9/16/2021</a:t>
             </a:fld>
             <a:endParaRPr lang="en-US" dirty="0"/>
           </a:p>
@@ -1063,7 +1063,7 @@
             <a:fld id="{B61BEF0D-F0BB-DE4B-95CE-6DB70DBA9567}" type="datetimeFigureOut">
               <a:rPr lang="en-US" dirty="0"/>
               <a:pPr/>
-              <a:t>9/14/2021</a:t>
+              <a:t>9/16/2021</a:t>
             </a:fld>
             <a:endParaRPr lang="en-US" dirty="0"/>
           </a:p>
@@ -1395,7 +1395,7 @@
             <a:fld id="{B61BEF0D-F0BB-DE4B-95CE-6DB70DBA9567}" type="datetimeFigureOut">
               <a:rPr lang="en-US" dirty="0"/>
               <a:pPr/>
-              <a:t>9/14/2021</a:t>
+              <a:t>9/16/2021</a:t>
             </a:fld>
             <a:endParaRPr lang="en-US" dirty="0"/>
           </a:p>
@@ -1712,7 +1712,7 @@
             <a:fld id="{B61BEF0D-F0BB-DE4B-95CE-6DB70DBA9567}" type="datetimeFigureOut">
               <a:rPr lang="en-US" dirty="0"/>
               <a:pPr/>
-              <a:t>9/14/2021</a:t>
+              <a:t>9/16/2021</a:t>
             </a:fld>
             <a:endParaRPr lang="en-US" dirty="0"/>
           </a:p>
@@ -2105,7 +2105,7 @@
             <a:fld id="{B61BEF0D-F0BB-DE4B-95CE-6DB70DBA9567}" type="datetimeFigureOut">
               <a:rPr lang="en-US" dirty="0"/>
               <a:pPr/>
-              <a:t>9/14/2021</a:t>
+              <a:t>9/16/2021</a:t>
             </a:fld>
             <a:endParaRPr lang="en-US" dirty="0"/>
           </a:p>
@@ -2359,7 +2359,7 @@
             <a:fld id="{B61BEF0D-F0BB-DE4B-95CE-6DB70DBA9567}" type="datetimeFigureOut">
               <a:rPr lang="en-US" dirty="0"/>
               <a:pPr/>
-              <a:t>9/14/2021</a:t>
+              <a:t>9/16/2021</a:t>
             </a:fld>
             <a:endParaRPr lang="en-US" dirty="0"/>
           </a:p>
@@ -2618,7 +2618,7 @@
             <a:fld id="{B61BEF0D-F0BB-DE4B-95CE-6DB70DBA9567}" type="datetimeFigureOut">
               <a:rPr lang="en-US" dirty="0"/>
               <a:pPr/>
-              <a:t>9/14/2021</a:t>
+              <a:t>9/16/2021</a:t>
             </a:fld>
             <a:endParaRPr lang="en-US" dirty="0"/>
           </a:p>
@@ -2877,7 +2877,7 @@
             <a:fld id="{B61BEF0D-F0BB-DE4B-95CE-6DB70DBA9567}" type="datetimeFigureOut">
               <a:rPr lang="en-US" dirty="0"/>
               <a:pPr/>
-              <a:t>9/14/2021</a:t>
+              <a:t>9/16/2021</a:t>
             </a:fld>
             <a:endParaRPr lang="en-US" dirty="0"/>
           </a:p>
@@ -3203,7 +3203,7 @@
             <a:fld id="{B61BEF0D-F0BB-DE4B-95CE-6DB70DBA9567}" type="datetimeFigureOut">
               <a:rPr lang="en-US" dirty="0"/>
               <a:pPr/>
-              <a:t>9/14/2021</a:t>
+              <a:t>9/16/2021</a:t>
             </a:fld>
             <a:endParaRPr lang="en-US" dirty="0"/>
           </a:p>
@@ -3523,7 +3523,7 @@
             <a:fld id="{B61BEF0D-F0BB-DE4B-95CE-6DB70DBA9567}" type="datetimeFigureOut">
               <a:rPr lang="en-US" dirty="0"/>
               <a:pPr/>
-              <a:t>9/14/2021</a:t>
+              <a:t>9/16/2021</a:t>
             </a:fld>
             <a:endParaRPr lang="en-US" dirty="0"/>
           </a:p>
@@ -3977,7 +3977,7 @@
             <a:fld id="{B61BEF0D-F0BB-DE4B-95CE-6DB70DBA9567}" type="datetimeFigureOut">
               <a:rPr lang="en-US" dirty="0"/>
               <a:pPr/>
-              <a:t>9/14/2021</a:t>
+              <a:t>9/16/2021</a:t>
             </a:fld>
             <a:endParaRPr lang="en-US" dirty="0"/>
           </a:p>
@@ -4179,7 +4179,7 @@
             <a:fld id="{B61BEF0D-F0BB-DE4B-95CE-6DB70DBA9567}" type="datetimeFigureOut">
               <a:rPr lang="en-US" dirty="0"/>
               <a:pPr/>
-              <a:t>9/14/2021</a:t>
+              <a:t>9/16/2021</a:t>
             </a:fld>
             <a:endParaRPr lang="en-US" dirty="0"/>
           </a:p>
@@ -4353,7 +4353,7 @@
             <a:fld id="{B61BEF0D-F0BB-DE4B-95CE-6DB70DBA9567}" type="datetimeFigureOut">
               <a:rPr lang="en-US" dirty="0"/>
               <a:pPr/>
-              <a:t>9/14/2021</a:t>
+              <a:t>9/16/2021</a:t>
             </a:fld>
             <a:endParaRPr lang="en-US" dirty="0"/>
           </a:p>
@@ -4683,7 +4683,7 @@
             <a:fld id="{B61BEF0D-F0BB-DE4B-95CE-6DB70DBA9567}" type="datetimeFigureOut">
               <a:rPr lang="en-US" dirty="0"/>
               <a:pPr/>
-              <a:t>9/14/2021</a:t>
+              <a:t>9/16/2021</a:t>
             </a:fld>
             <a:endParaRPr lang="en-US" dirty="0"/>
           </a:p>
@@ -5025,7 +5025,7 @@
             <a:fld id="{B61BEF0D-F0BB-DE4B-95CE-6DB70DBA9567}" type="datetimeFigureOut">
               <a:rPr lang="en-US" dirty="0"/>
               <a:pPr/>
-              <a:t>9/14/2021</a:t>
+              <a:t>9/16/2021</a:t>
             </a:fld>
             <a:endParaRPr lang="en-US" dirty="0"/>
           </a:p>
@@ -7139,7 +7139,7 @@
             <a:fld id="{B61BEF0D-F0BB-DE4B-95CE-6DB70DBA9567}" type="datetimeFigureOut">
               <a:rPr lang="en-US" dirty="0"/>
               <a:pPr/>
-              <a:t>9/14/2021</a:t>
+              <a:t>9/16/2021</a:t>
             </a:fld>
             <a:endParaRPr lang="en-US" dirty="0"/>
           </a:p>
@@ -7679,10 +7679,6 @@
               <a:rPr lang="pt-BR" dirty="0" smtClean="0"/>
               <a:t>     </a:t>
             </a:r>
-            <a:r>
-              <a:rPr lang="pt-BR" dirty="0" smtClean="0"/>
-              <a:t/>
-            </a:r>
             <a:br>
               <a:rPr lang="pt-BR" dirty="0" smtClean="0"/>
             </a:br>
@@ -7721,11 +7717,7 @@
             </a:r>
             <a:r>
               <a:rPr lang="pt-BR" sz="4400" dirty="0" smtClean="0"/>
-              <a:t>ROGRAMAÇÃO </a:t>
-            </a:r>
-            <a:r>
-              <a:rPr lang="pt-BR" sz="4400" dirty="0" smtClean="0"/>
-              <a:t>ORIENTADA A OBJETO</a:t>
+              <a:t>ROGRAMAÇÃO ORIENTADA A OBJETO</a:t>
             </a:r>
             <a:endParaRPr lang="pt-BR" sz="4400" dirty="0"/>
           </a:p>
@@ -8028,9 +8020,10 @@
           </a:lstStyle>
           <a:p>
             <a:r>
-              <a:rPr lang="pt-BR" b="1" dirty="0" smtClean="0"/>
-              <a:t>https:github.com/swilliamsilva</a:t>
-            </a:r>
+              <a:rPr lang="pt-BR" b="1" smtClean="0"/>
+              <a:t>https:github.com/swilliamsilva/pooAula</a:t>
+            </a:r>
+            <a:endParaRPr lang="pt-BR" b="1" dirty="0" smtClean="0"/>
           </a:p>
           <a:p>
             <a:r>
@@ -9842,35 +9835,20 @@
           <a:p>
             <a:r>
               <a:rPr lang="pt-BR" dirty="0" smtClean="0"/>
-              <a:t>Ver as tecnologias  </a:t>
-            </a:r>
-            <a:r>
-              <a:rPr lang="pt-BR" dirty="0" smtClean="0"/>
-              <a:t>funcionando.</a:t>
-            </a:r>
-            <a:endParaRPr lang="pt-BR" dirty="0" smtClean="0"/>
-          </a:p>
-          <a:p>
-            <a:r>
-              <a:rPr lang="pt-BR" dirty="0" smtClean="0"/>
-              <a:t>Construir ferramentas que agilizem nosso </a:t>
-            </a:r>
-            <a:r>
-              <a:rPr lang="pt-BR" dirty="0" smtClean="0"/>
-              <a:t>dia.</a:t>
-            </a:r>
-            <a:endParaRPr lang="pt-BR" dirty="0" smtClean="0"/>
-          </a:p>
-          <a:p>
-            <a:r>
-              <a:rPr lang="pt-BR" dirty="0" smtClean="0"/>
-              <a:t>Progredir na carreira</a:t>
-            </a:r>
-            <a:r>
-              <a:rPr lang="pt-BR" dirty="0" smtClean="0"/>
-              <a:t>.</a:t>
-            </a:r>
-            <a:endParaRPr lang="pt-BR" dirty="0" smtClean="0"/>
+              <a:t>Ver as tecnologias  funcionando.</a:t>
+            </a:r>
+          </a:p>
+          <a:p>
+            <a:r>
+              <a:rPr lang="pt-BR" dirty="0" smtClean="0"/>
+              <a:t>Construir ferramentas que agilizem nosso dia.</a:t>
+            </a:r>
+          </a:p>
+          <a:p>
+            <a:r>
+              <a:rPr lang="pt-BR" dirty="0" smtClean="0"/>
+              <a:t>Progredir na carreira.</a:t>
+            </a:r>
           </a:p>
           <a:p>
             <a:r>
@@ -11117,11 +11095,7 @@
           <a:p>
             <a:r>
               <a:rPr lang="pt-BR" dirty="0" smtClean="0"/>
-              <a:t>Análise </a:t>
-            </a:r>
-            <a:r>
-              <a:rPr lang="pt-BR" dirty="0" smtClean="0"/>
-              <a:t>de Sistemas Orientada para Objeto</a:t>
+              <a:t>Análise de Sistemas Orientada para Objeto</a:t>
             </a:r>
             <a:br>
               <a:rPr lang="pt-BR" dirty="0" smtClean="0"/>
